--- a/ppt 16-9/0632.奇异恩典.pptx
+++ b/ppt 16-9/0632.奇异恩典.pptx
@@ -5,7 +5,7 @@
     <p:sldMasterId id="2147483648" r:id="rId1"/>
   </p:sldMasterIdLst>
   <p:sldIdLst>
-    <p:sldId id="2427" r:id="rId2"/>
+    <p:sldId id="2429" r:id="rId2"/>
   </p:sldIdLst>
   <p:sldSz cx="12192000" cy="6858000"/>
   <p:notesSz cx="6858000" cy="9144000"/>
@@ -129,7 +129,7 @@
           <p:cNvPr id="2" name="标题 1">
             <a:extLst>
               <a:ext uri="{FF2B5EF4-FFF2-40B4-BE49-F238E27FC236}">
-                <a16:creationId xmlns:a16="http://schemas.microsoft.com/office/drawing/2014/main" id="{1AD905ED-A02C-C322-93D0-AEAF8A765D5C}"/>
+                <a16:creationId xmlns:a16="http://schemas.microsoft.com/office/drawing/2014/main" id="{1DB22290-D594-42F1-949C-F61A3BF3F10F}"/>
               </a:ext>
             </a:extLst>
           </p:cNvPr>
@@ -166,7 +166,7 @@
           <p:cNvPr id="3" name="副标题 2">
             <a:extLst>
               <a:ext uri="{FF2B5EF4-FFF2-40B4-BE49-F238E27FC236}">
-                <a16:creationId xmlns:a16="http://schemas.microsoft.com/office/drawing/2014/main" id="{88397691-2918-8DBB-1288-D0453531D364}"/>
+                <a16:creationId xmlns:a16="http://schemas.microsoft.com/office/drawing/2014/main" id="{2B48CE0E-5B4F-40BB-367A-0351DB04CCB9}"/>
               </a:ext>
             </a:extLst>
           </p:cNvPr>
@@ -236,7 +236,7 @@
           <p:cNvPr id="4" name="日期占位符 3">
             <a:extLst>
               <a:ext uri="{FF2B5EF4-FFF2-40B4-BE49-F238E27FC236}">
-                <a16:creationId xmlns:a16="http://schemas.microsoft.com/office/drawing/2014/main" id="{7BBAAAB8-5138-AB55-3448-E019D84DF1AC}"/>
+                <a16:creationId xmlns:a16="http://schemas.microsoft.com/office/drawing/2014/main" id="{9F21703F-AB64-EF13-8689-ADD56B9DBC08}"/>
               </a:ext>
             </a:extLst>
           </p:cNvPr>
@@ -252,7 +252,7 @@
           <a:bodyPr/>
           <a:lstStyle/>
           <a:p>
-            <a:fld id="{9527DC6C-F9F2-469F-BACF-A88100E64180}" type="datetimeFigureOut">
+            <a:fld id="{B4D57545-8A06-4175-8158-4B7DDC6B11E0}" type="datetimeFigureOut">
               <a:rPr lang="zh-CN" altLang="en-US" smtClean="0"/>
               <a:t>2024/3/10</a:t>
             </a:fld>
@@ -265,7 +265,7 @@
           <p:cNvPr id="5" name="页脚占位符 4">
             <a:extLst>
               <a:ext uri="{FF2B5EF4-FFF2-40B4-BE49-F238E27FC236}">
-                <a16:creationId xmlns:a16="http://schemas.microsoft.com/office/drawing/2014/main" id="{82B1B5EC-1C29-FB14-E38F-4B5F583523C7}"/>
+                <a16:creationId xmlns:a16="http://schemas.microsoft.com/office/drawing/2014/main" id="{B1836F0B-3482-0934-CACA-89392F20EAD7}"/>
               </a:ext>
             </a:extLst>
           </p:cNvPr>
@@ -290,7 +290,7 @@
           <p:cNvPr id="6" name="灯片编号占位符 5">
             <a:extLst>
               <a:ext uri="{FF2B5EF4-FFF2-40B4-BE49-F238E27FC236}">
-                <a16:creationId xmlns:a16="http://schemas.microsoft.com/office/drawing/2014/main" id="{18CC3420-B63A-E596-EAB8-7BFF18D4B2A7}"/>
+                <a16:creationId xmlns:a16="http://schemas.microsoft.com/office/drawing/2014/main" id="{F279A817-9928-D9AC-EA02-8FF320E8F53A}"/>
               </a:ext>
             </a:extLst>
           </p:cNvPr>
@@ -306,7 +306,7 @@
           <a:bodyPr/>
           <a:lstStyle/>
           <a:p>
-            <a:fld id="{10620DD2-CDE9-415A-BC18-68E2E03579AA}" type="slidenum">
+            <a:fld id="{DDD98583-9ADD-4D27-88D1-FC4AB43EED17}" type="slidenum">
               <a:rPr lang="zh-CN" altLang="en-US" smtClean="0"/>
               <a:t>‹#›</a:t>
             </a:fld>
@@ -317,7 +317,7 @@
     </p:spTree>
     <p:extLst>
       <p:ext uri="{BB962C8B-B14F-4D97-AF65-F5344CB8AC3E}">
-        <p14:creationId xmlns:p14="http://schemas.microsoft.com/office/powerpoint/2010/main" val="3367983869"/>
+        <p14:creationId xmlns:p14="http://schemas.microsoft.com/office/powerpoint/2010/main" val="2745341683"/>
       </p:ext>
     </p:extLst>
   </p:cSld>
@@ -349,7 +349,7 @@
           <p:cNvPr id="2" name="标题 1">
             <a:extLst>
               <a:ext uri="{FF2B5EF4-FFF2-40B4-BE49-F238E27FC236}">
-                <a16:creationId xmlns:a16="http://schemas.microsoft.com/office/drawing/2014/main" id="{3B1C90FF-E543-FECE-716B-1826DCF81B07}"/>
+                <a16:creationId xmlns:a16="http://schemas.microsoft.com/office/drawing/2014/main" id="{A336AA1B-D532-0260-E794-B1960260592D}"/>
               </a:ext>
             </a:extLst>
           </p:cNvPr>
@@ -377,7 +377,7 @@
           <p:cNvPr id="3" name="竖排文字占位符 2">
             <a:extLst>
               <a:ext uri="{FF2B5EF4-FFF2-40B4-BE49-F238E27FC236}">
-                <a16:creationId xmlns:a16="http://schemas.microsoft.com/office/drawing/2014/main" id="{76789D41-0EDE-3BEA-2AFB-ABD19DEB5F31}"/>
+                <a16:creationId xmlns:a16="http://schemas.microsoft.com/office/drawing/2014/main" id="{3F24E63B-F83B-3CCE-0F5A-42EBE53EA4A5}"/>
               </a:ext>
             </a:extLst>
           </p:cNvPr>
@@ -434,7 +434,7 @@
           <p:cNvPr id="4" name="日期占位符 3">
             <a:extLst>
               <a:ext uri="{FF2B5EF4-FFF2-40B4-BE49-F238E27FC236}">
-                <a16:creationId xmlns:a16="http://schemas.microsoft.com/office/drawing/2014/main" id="{0F2A03A1-7D95-0900-FF1C-8E13A0385DB4}"/>
+                <a16:creationId xmlns:a16="http://schemas.microsoft.com/office/drawing/2014/main" id="{E58BEF28-6C25-B2B5-01FB-1BF0E2A8A641}"/>
               </a:ext>
             </a:extLst>
           </p:cNvPr>
@@ -450,7 +450,7 @@
           <a:bodyPr/>
           <a:lstStyle/>
           <a:p>
-            <a:fld id="{9527DC6C-F9F2-469F-BACF-A88100E64180}" type="datetimeFigureOut">
+            <a:fld id="{B4D57545-8A06-4175-8158-4B7DDC6B11E0}" type="datetimeFigureOut">
               <a:rPr lang="zh-CN" altLang="en-US" smtClean="0"/>
               <a:t>2024/3/10</a:t>
             </a:fld>
@@ -463,7 +463,7 @@
           <p:cNvPr id="5" name="页脚占位符 4">
             <a:extLst>
               <a:ext uri="{FF2B5EF4-FFF2-40B4-BE49-F238E27FC236}">
-                <a16:creationId xmlns:a16="http://schemas.microsoft.com/office/drawing/2014/main" id="{612960E8-4219-D9F6-D288-F4E34FFE9009}"/>
+                <a16:creationId xmlns:a16="http://schemas.microsoft.com/office/drawing/2014/main" id="{91BDFDC1-9AB4-0ADE-F979-D2900D8CB536}"/>
               </a:ext>
             </a:extLst>
           </p:cNvPr>
@@ -488,7 +488,7 @@
           <p:cNvPr id="6" name="灯片编号占位符 5">
             <a:extLst>
               <a:ext uri="{FF2B5EF4-FFF2-40B4-BE49-F238E27FC236}">
-                <a16:creationId xmlns:a16="http://schemas.microsoft.com/office/drawing/2014/main" id="{8F8AEE7F-62B0-6D57-69E8-6EF2283FCEA5}"/>
+                <a16:creationId xmlns:a16="http://schemas.microsoft.com/office/drawing/2014/main" id="{C9F545F5-EB06-850D-20C5-29BA96ACAEFB}"/>
               </a:ext>
             </a:extLst>
           </p:cNvPr>
@@ -504,7 +504,7 @@
           <a:bodyPr/>
           <a:lstStyle/>
           <a:p>
-            <a:fld id="{10620DD2-CDE9-415A-BC18-68E2E03579AA}" type="slidenum">
+            <a:fld id="{DDD98583-9ADD-4D27-88D1-FC4AB43EED17}" type="slidenum">
               <a:rPr lang="zh-CN" altLang="en-US" smtClean="0"/>
               <a:t>‹#›</a:t>
             </a:fld>
@@ -515,7 +515,7 @@
     </p:spTree>
     <p:extLst>
       <p:ext uri="{BB962C8B-B14F-4D97-AF65-F5344CB8AC3E}">
-        <p14:creationId xmlns:p14="http://schemas.microsoft.com/office/powerpoint/2010/main" val="3955432736"/>
+        <p14:creationId xmlns:p14="http://schemas.microsoft.com/office/powerpoint/2010/main" val="3476883043"/>
       </p:ext>
     </p:extLst>
   </p:cSld>
@@ -547,7 +547,7 @@
           <p:cNvPr id="2" name="竖排标题 1">
             <a:extLst>
               <a:ext uri="{FF2B5EF4-FFF2-40B4-BE49-F238E27FC236}">
-                <a16:creationId xmlns:a16="http://schemas.microsoft.com/office/drawing/2014/main" id="{159AD61D-3488-8CAC-EFED-01FA2DD029BC}"/>
+                <a16:creationId xmlns:a16="http://schemas.microsoft.com/office/drawing/2014/main" id="{4D98E721-3AD2-94AF-0FB6-66F43C7B9ECF}"/>
               </a:ext>
             </a:extLst>
           </p:cNvPr>
@@ -580,7 +580,7 @@
           <p:cNvPr id="3" name="竖排文字占位符 2">
             <a:extLst>
               <a:ext uri="{FF2B5EF4-FFF2-40B4-BE49-F238E27FC236}">
-                <a16:creationId xmlns:a16="http://schemas.microsoft.com/office/drawing/2014/main" id="{CC250069-38A2-568F-C031-E964A5ABA021}"/>
+                <a16:creationId xmlns:a16="http://schemas.microsoft.com/office/drawing/2014/main" id="{3A797B1D-C776-5050-B34B-1B64FB9AC336}"/>
               </a:ext>
             </a:extLst>
           </p:cNvPr>
@@ -642,7 +642,7 @@
           <p:cNvPr id="4" name="日期占位符 3">
             <a:extLst>
               <a:ext uri="{FF2B5EF4-FFF2-40B4-BE49-F238E27FC236}">
-                <a16:creationId xmlns:a16="http://schemas.microsoft.com/office/drawing/2014/main" id="{CF6895B2-9188-AA17-1015-46CFCDEADFE2}"/>
+                <a16:creationId xmlns:a16="http://schemas.microsoft.com/office/drawing/2014/main" id="{6F72E5C0-5412-1D82-B522-BAF2DDF405BA}"/>
               </a:ext>
             </a:extLst>
           </p:cNvPr>
@@ -658,7 +658,7 @@
           <a:bodyPr/>
           <a:lstStyle/>
           <a:p>
-            <a:fld id="{9527DC6C-F9F2-469F-BACF-A88100E64180}" type="datetimeFigureOut">
+            <a:fld id="{B4D57545-8A06-4175-8158-4B7DDC6B11E0}" type="datetimeFigureOut">
               <a:rPr lang="zh-CN" altLang="en-US" smtClean="0"/>
               <a:t>2024/3/10</a:t>
             </a:fld>
@@ -671,7 +671,7 @@
           <p:cNvPr id="5" name="页脚占位符 4">
             <a:extLst>
               <a:ext uri="{FF2B5EF4-FFF2-40B4-BE49-F238E27FC236}">
-                <a16:creationId xmlns:a16="http://schemas.microsoft.com/office/drawing/2014/main" id="{B7A678E4-D7A4-F2D7-DE58-EECEA3F4B96E}"/>
+                <a16:creationId xmlns:a16="http://schemas.microsoft.com/office/drawing/2014/main" id="{9A2B7D09-ACA4-09E2-509C-11097287FFB6}"/>
               </a:ext>
             </a:extLst>
           </p:cNvPr>
@@ -696,7 +696,7 @@
           <p:cNvPr id="6" name="灯片编号占位符 5">
             <a:extLst>
               <a:ext uri="{FF2B5EF4-FFF2-40B4-BE49-F238E27FC236}">
-                <a16:creationId xmlns:a16="http://schemas.microsoft.com/office/drawing/2014/main" id="{C17ACA4C-4565-5874-EEB2-B76B8BB1A45A}"/>
+                <a16:creationId xmlns:a16="http://schemas.microsoft.com/office/drawing/2014/main" id="{D553E721-2E91-35B7-5E0D-9AC74459132D}"/>
               </a:ext>
             </a:extLst>
           </p:cNvPr>
@@ -712,7 +712,7 @@
           <a:bodyPr/>
           <a:lstStyle/>
           <a:p>
-            <a:fld id="{10620DD2-CDE9-415A-BC18-68E2E03579AA}" type="slidenum">
+            <a:fld id="{DDD98583-9ADD-4D27-88D1-FC4AB43EED17}" type="slidenum">
               <a:rPr lang="zh-CN" altLang="en-US" smtClean="0"/>
               <a:t>‹#›</a:t>
             </a:fld>
@@ -723,7 +723,7 @@
     </p:spTree>
     <p:extLst>
       <p:ext uri="{BB962C8B-B14F-4D97-AF65-F5344CB8AC3E}">
-        <p14:creationId xmlns:p14="http://schemas.microsoft.com/office/powerpoint/2010/main" val="235065662"/>
+        <p14:creationId xmlns:p14="http://schemas.microsoft.com/office/powerpoint/2010/main" val="682571458"/>
       </p:ext>
     </p:extLst>
   </p:cSld>
@@ -755,7 +755,7 @@
           <p:cNvPr id="2" name="标题 1">
             <a:extLst>
               <a:ext uri="{FF2B5EF4-FFF2-40B4-BE49-F238E27FC236}">
-                <a16:creationId xmlns:a16="http://schemas.microsoft.com/office/drawing/2014/main" id="{2D36589F-CBDF-E5EA-5735-B311E01409CC}"/>
+                <a16:creationId xmlns:a16="http://schemas.microsoft.com/office/drawing/2014/main" id="{0AE4DD69-8E96-EAEA-5DC3-14ACCB7DB37C}"/>
               </a:ext>
             </a:extLst>
           </p:cNvPr>
@@ -783,7 +783,7 @@
           <p:cNvPr id="3" name="内容占位符 2">
             <a:extLst>
               <a:ext uri="{FF2B5EF4-FFF2-40B4-BE49-F238E27FC236}">
-                <a16:creationId xmlns:a16="http://schemas.microsoft.com/office/drawing/2014/main" id="{23953EDB-534D-F399-EA55-F597DC2C1CA5}"/>
+                <a16:creationId xmlns:a16="http://schemas.microsoft.com/office/drawing/2014/main" id="{AC3469BC-C413-4E23-3AEB-75BF5E16B10B}"/>
               </a:ext>
             </a:extLst>
           </p:cNvPr>
@@ -840,7 +840,7 @@
           <p:cNvPr id="4" name="日期占位符 3">
             <a:extLst>
               <a:ext uri="{FF2B5EF4-FFF2-40B4-BE49-F238E27FC236}">
-                <a16:creationId xmlns:a16="http://schemas.microsoft.com/office/drawing/2014/main" id="{F9C6A7F1-8843-DB88-9FAC-79EC74E08EF1}"/>
+                <a16:creationId xmlns:a16="http://schemas.microsoft.com/office/drawing/2014/main" id="{C4A767A2-70CA-52F3-16FC-C626F0E0B070}"/>
               </a:ext>
             </a:extLst>
           </p:cNvPr>
@@ -856,7 +856,7 @@
           <a:bodyPr/>
           <a:lstStyle/>
           <a:p>
-            <a:fld id="{9527DC6C-F9F2-469F-BACF-A88100E64180}" type="datetimeFigureOut">
+            <a:fld id="{B4D57545-8A06-4175-8158-4B7DDC6B11E0}" type="datetimeFigureOut">
               <a:rPr lang="zh-CN" altLang="en-US" smtClean="0"/>
               <a:t>2024/3/10</a:t>
             </a:fld>
@@ -869,7 +869,7 @@
           <p:cNvPr id="5" name="页脚占位符 4">
             <a:extLst>
               <a:ext uri="{FF2B5EF4-FFF2-40B4-BE49-F238E27FC236}">
-                <a16:creationId xmlns:a16="http://schemas.microsoft.com/office/drawing/2014/main" id="{0482C43D-99AF-E1BE-2B04-54CBA46B2DD3}"/>
+                <a16:creationId xmlns:a16="http://schemas.microsoft.com/office/drawing/2014/main" id="{91EF96DE-128B-A08C-64A0-A909ED2F5E40}"/>
               </a:ext>
             </a:extLst>
           </p:cNvPr>
@@ -894,7 +894,7 @@
           <p:cNvPr id="6" name="灯片编号占位符 5">
             <a:extLst>
               <a:ext uri="{FF2B5EF4-FFF2-40B4-BE49-F238E27FC236}">
-                <a16:creationId xmlns:a16="http://schemas.microsoft.com/office/drawing/2014/main" id="{D8FF9BF2-661C-7B7E-FEEE-EE1630B589CF}"/>
+                <a16:creationId xmlns:a16="http://schemas.microsoft.com/office/drawing/2014/main" id="{7BDFB1E7-899E-88AC-6443-72A428C0C31F}"/>
               </a:ext>
             </a:extLst>
           </p:cNvPr>
@@ -910,7 +910,7 @@
           <a:bodyPr/>
           <a:lstStyle/>
           <a:p>
-            <a:fld id="{10620DD2-CDE9-415A-BC18-68E2E03579AA}" type="slidenum">
+            <a:fld id="{DDD98583-9ADD-4D27-88D1-FC4AB43EED17}" type="slidenum">
               <a:rPr lang="zh-CN" altLang="en-US" smtClean="0"/>
               <a:t>‹#›</a:t>
             </a:fld>
@@ -921,7 +921,7 @@
     </p:spTree>
     <p:extLst>
       <p:ext uri="{BB962C8B-B14F-4D97-AF65-F5344CB8AC3E}">
-        <p14:creationId xmlns:p14="http://schemas.microsoft.com/office/powerpoint/2010/main" val="100839641"/>
+        <p14:creationId xmlns:p14="http://schemas.microsoft.com/office/powerpoint/2010/main" val="2469829826"/>
       </p:ext>
     </p:extLst>
   </p:cSld>
@@ -953,7 +953,7 @@
           <p:cNvPr id="2" name="标题 1">
             <a:extLst>
               <a:ext uri="{FF2B5EF4-FFF2-40B4-BE49-F238E27FC236}">
-                <a16:creationId xmlns:a16="http://schemas.microsoft.com/office/drawing/2014/main" id="{B9957A05-562E-0034-BBD6-977BB1BA5AE0}"/>
+                <a16:creationId xmlns:a16="http://schemas.microsoft.com/office/drawing/2014/main" id="{3DACCE07-F950-D352-02AA-1AF526D82F62}"/>
               </a:ext>
             </a:extLst>
           </p:cNvPr>
@@ -990,7 +990,7 @@
           <p:cNvPr id="3" name="文本占位符 2">
             <a:extLst>
               <a:ext uri="{FF2B5EF4-FFF2-40B4-BE49-F238E27FC236}">
-                <a16:creationId xmlns:a16="http://schemas.microsoft.com/office/drawing/2014/main" id="{58B9E849-2871-5D86-C41E-D07890959BA2}"/>
+                <a16:creationId xmlns:a16="http://schemas.microsoft.com/office/drawing/2014/main" id="{26187FD1-0870-742B-FB39-F1833709287B}"/>
               </a:ext>
             </a:extLst>
           </p:cNvPr>
@@ -1115,7 +1115,7 @@
           <p:cNvPr id="4" name="日期占位符 3">
             <a:extLst>
               <a:ext uri="{FF2B5EF4-FFF2-40B4-BE49-F238E27FC236}">
-                <a16:creationId xmlns:a16="http://schemas.microsoft.com/office/drawing/2014/main" id="{677182F5-7900-FC8A-FD54-2901ADE743C4}"/>
+                <a16:creationId xmlns:a16="http://schemas.microsoft.com/office/drawing/2014/main" id="{5F41222F-D986-BDB3-2D3F-E25FAB639102}"/>
               </a:ext>
             </a:extLst>
           </p:cNvPr>
@@ -1131,7 +1131,7 @@
           <a:bodyPr/>
           <a:lstStyle/>
           <a:p>
-            <a:fld id="{9527DC6C-F9F2-469F-BACF-A88100E64180}" type="datetimeFigureOut">
+            <a:fld id="{B4D57545-8A06-4175-8158-4B7DDC6B11E0}" type="datetimeFigureOut">
               <a:rPr lang="zh-CN" altLang="en-US" smtClean="0"/>
               <a:t>2024/3/10</a:t>
             </a:fld>
@@ -1144,7 +1144,7 @@
           <p:cNvPr id="5" name="页脚占位符 4">
             <a:extLst>
               <a:ext uri="{FF2B5EF4-FFF2-40B4-BE49-F238E27FC236}">
-                <a16:creationId xmlns:a16="http://schemas.microsoft.com/office/drawing/2014/main" id="{249A5146-B951-E523-28E0-559981A8EF6D}"/>
+                <a16:creationId xmlns:a16="http://schemas.microsoft.com/office/drawing/2014/main" id="{FB6C2A6B-8424-CF61-BA51-67E4600959E4}"/>
               </a:ext>
             </a:extLst>
           </p:cNvPr>
@@ -1169,7 +1169,7 @@
           <p:cNvPr id="6" name="灯片编号占位符 5">
             <a:extLst>
               <a:ext uri="{FF2B5EF4-FFF2-40B4-BE49-F238E27FC236}">
-                <a16:creationId xmlns:a16="http://schemas.microsoft.com/office/drawing/2014/main" id="{B29FBD4E-E3FC-8FDE-7622-F9D8BB942BC5}"/>
+                <a16:creationId xmlns:a16="http://schemas.microsoft.com/office/drawing/2014/main" id="{104A9184-6BE0-FA64-B09C-00051F1F81D5}"/>
               </a:ext>
             </a:extLst>
           </p:cNvPr>
@@ -1185,7 +1185,7 @@
           <a:bodyPr/>
           <a:lstStyle/>
           <a:p>
-            <a:fld id="{10620DD2-CDE9-415A-BC18-68E2E03579AA}" type="slidenum">
+            <a:fld id="{DDD98583-9ADD-4D27-88D1-FC4AB43EED17}" type="slidenum">
               <a:rPr lang="zh-CN" altLang="en-US" smtClean="0"/>
               <a:t>‹#›</a:t>
             </a:fld>
@@ -1196,7 +1196,7 @@
     </p:spTree>
     <p:extLst>
       <p:ext uri="{BB962C8B-B14F-4D97-AF65-F5344CB8AC3E}">
-        <p14:creationId xmlns:p14="http://schemas.microsoft.com/office/powerpoint/2010/main" val="238297365"/>
+        <p14:creationId xmlns:p14="http://schemas.microsoft.com/office/powerpoint/2010/main" val="3839268847"/>
       </p:ext>
     </p:extLst>
   </p:cSld>
@@ -1228,7 +1228,7 @@
           <p:cNvPr id="2" name="标题 1">
             <a:extLst>
               <a:ext uri="{FF2B5EF4-FFF2-40B4-BE49-F238E27FC236}">
-                <a16:creationId xmlns:a16="http://schemas.microsoft.com/office/drawing/2014/main" id="{4EDD4198-6AF6-0BFB-BF49-615FFD486D8E}"/>
+                <a16:creationId xmlns:a16="http://schemas.microsoft.com/office/drawing/2014/main" id="{F196AEB7-2A7C-6BC3-6D58-41C4191F1D1A}"/>
               </a:ext>
             </a:extLst>
           </p:cNvPr>
@@ -1256,7 +1256,7 @@
           <p:cNvPr id="3" name="内容占位符 2">
             <a:extLst>
               <a:ext uri="{FF2B5EF4-FFF2-40B4-BE49-F238E27FC236}">
-                <a16:creationId xmlns:a16="http://schemas.microsoft.com/office/drawing/2014/main" id="{4B259232-9C4A-A2CB-1885-54F04E0D6982}"/>
+                <a16:creationId xmlns:a16="http://schemas.microsoft.com/office/drawing/2014/main" id="{313EABE1-BD0B-E74B-A41D-0DF793E4E825}"/>
               </a:ext>
             </a:extLst>
           </p:cNvPr>
@@ -1318,7 +1318,7 @@
           <p:cNvPr id="4" name="内容占位符 3">
             <a:extLst>
               <a:ext uri="{FF2B5EF4-FFF2-40B4-BE49-F238E27FC236}">
-                <a16:creationId xmlns:a16="http://schemas.microsoft.com/office/drawing/2014/main" id="{138E296C-4607-D12C-8FED-983618ED691F}"/>
+                <a16:creationId xmlns:a16="http://schemas.microsoft.com/office/drawing/2014/main" id="{65918C69-DC37-9ECF-3374-94D65D138DE0}"/>
               </a:ext>
             </a:extLst>
           </p:cNvPr>
@@ -1380,7 +1380,7 @@
           <p:cNvPr id="5" name="日期占位符 4">
             <a:extLst>
               <a:ext uri="{FF2B5EF4-FFF2-40B4-BE49-F238E27FC236}">
-                <a16:creationId xmlns:a16="http://schemas.microsoft.com/office/drawing/2014/main" id="{5D7A5599-E355-3483-1CAD-18650B1CF225}"/>
+                <a16:creationId xmlns:a16="http://schemas.microsoft.com/office/drawing/2014/main" id="{4B3B3EB5-ED59-AB5B-51FF-BE3E9C195DFC}"/>
               </a:ext>
             </a:extLst>
           </p:cNvPr>
@@ -1396,7 +1396,7 @@
           <a:bodyPr/>
           <a:lstStyle/>
           <a:p>
-            <a:fld id="{9527DC6C-F9F2-469F-BACF-A88100E64180}" type="datetimeFigureOut">
+            <a:fld id="{B4D57545-8A06-4175-8158-4B7DDC6B11E0}" type="datetimeFigureOut">
               <a:rPr lang="zh-CN" altLang="en-US" smtClean="0"/>
               <a:t>2024/3/10</a:t>
             </a:fld>
@@ -1409,7 +1409,7 @@
           <p:cNvPr id="6" name="页脚占位符 5">
             <a:extLst>
               <a:ext uri="{FF2B5EF4-FFF2-40B4-BE49-F238E27FC236}">
-                <a16:creationId xmlns:a16="http://schemas.microsoft.com/office/drawing/2014/main" id="{3F3799A1-10EE-2347-F6C8-0BAFA98E1E59}"/>
+                <a16:creationId xmlns:a16="http://schemas.microsoft.com/office/drawing/2014/main" id="{04355AEC-857C-B7A7-255B-7361698DEC3C}"/>
               </a:ext>
             </a:extLst>
           </p:cNvPr>
@@ -1434,7 +1434,7 @@
           <p:cNvPr id="7" name="灯片编号占位符 6">
             <a:extLst>
               <a:ext uri="{FF2B5EF4-FFF2-40B4-BE49-F238E27FC236}">
-                <a16:creationId xmlns:a16="http://schemas.microsoft.com/office/drawing/2014/main" id="{CA81A261-AB54-B977-0C7C-FCFEED6F20D8}"/>
+                <a16:creationId xmlns:a16="http://schemas.microsoft.com/office/drawing/2014/main" id="{0623F65B-AD9C-B642-4F57-6E58473754F6}"/>
               </a:ext>
             </a:extLst>
           </p:cNvPr>
@@ -1450,7 +1450,7 @@
           <a:bodyPr/>
           <a:lstStyle/>
           <a:p>
-            <a:fld id="{10620DD2-CDE9-415A-BC18-68E2E03579AA}" type="slidenum">
+            <a:fld id="{DDD98583-9ADD-4D27-88D1-FC4AB43EED17}" type="slidenum">
               <a:rPr lang="zh-CN" altLang="en-US" smtClean="0"/>
               <a:t>‹#›</a:t>
             </a:fld>
@@ -1461,7 +1461,7 @@
     </p:spTree>
     <p:extLst>
       <p:ext uri="{BB962C8B-B14F-4D97-AF65-F5344CB8AC3E}">
-        <p14:creationId xmlns:p14="http://schemas.microsoft.com/office/powerpoint/2010/main" val="2345464629"/>
+        <p14:creationId xmlns:p14="http://schemas.microsoft.com/office/powerpoint/2010/main" val="306036944"/>
       </p:ext>
     </p:extLst>
   </p:cSld>
@@ -1493,7 +1493,7 @@
           <p:cNvPr id="2" name="标题 1">
             <a:extLst>
               <a:ext uri="{FF2B5EF4-FFF2-40B4-BE49-F238E27FC236}">
-                <a16:creationId xmlns:a16="http://schemas.microsoft.com/office/drawing/2014/main" id="{30F1C04B-7827-CE39-ECE1-7ED6704DEE55}"/>
+                <a16:creationId xmlns:a16="http://schemas.microsoft.com/office/drawing/2014/main" id="{84327301-5BF6-CE08-66DE-ADA8616640AF}"/>
               </a:ext>
             </a:extLst>
           </p:cNvPr>
@@ -1526,7 +1526,7 @@
           <p:cNvPr id="3" name="文本占位符 2">
             <a:extLst>
               <a:ext uri="{FF2B5EF4-FFF2-40B4-BE49-F238E27FC236}">
-                <a16:creationId xmlns:a16="http://schemas.microsoft.com/office/drawing/2014/main" id="{40EF5053-EDC3-C4A0-4EA2-3003C4EF1768}"/>
+                <a16:creationId xmlns:a16="http://schemas.microsoft.com/office/drawing/2014/main" id="{88052F3D-295A-4DE8-69BF-7F6464A6C760}"/>
               </a:ext>
             </a:extLst>
           </p:cNvPr>
@@ -1597,7 +1597,7 @@
           <p:cNvPr id="4" name="内容占位符 3">
             <a:extLst>
               <a:ext uri="{FF2B5EF4-FFF2-40B4-BE49-F238E27FC236}">
-                <a16:creationId xmlns:a16="http://schemas.microsoft.com/office/drawing/2014/main" id="{30AD6D65-2405-EFBC-7B0F-01A707D780F6}"/>
+                <a16:creationId xmlns:a16="http://schemas.microsoft.com/office/drawing/2014/main" id="{EDE4B0F9-56A7-47D7-0B0C-EB7E5F1A05D0}"/>
               </a:ext>
             </a:extLst>
           </p:cNvPr>
@@ -1659,7 +1659,7 @@
           <p:cNvPr id="5" name="文本占位符 4">
             <a:extLst>
               <a:ext uri="{FF2B5EF4-FFF2-40B4-BE49-F238E27FC236}">
-                <a16:creationId xmlns:a16="http://schemas.microsoft.com/office/drawing/2014/main" id="{09959FFC-C287-0791-51ED-371F547D3341}"/>
+                <a16:creationId xmlns:a16="http://schemas.microsoft.com/office/drawing/2014/main" id="{1E9F81FF-1184-F2C1-4B15-52B663A01E21}"/>
               </a:ext>
             </a:extLst>
           </p:cNvPr>
@@ -1730,7 +1730,7 @@
           <p:cNvPr id="6" name="内容占位符 5">
             <a:extLst>
               <a:ext uri="{FF2B5EF4-FFF2-40B4-BE49-F238E27FC236}">
-                <a16:creationId xmlns:a16="http://schemas.microsoft.com/office/drawing/2014/main" id="{A7560701-73AE-B33D-8A2E-94C1BF06947D}"/>
+                <a16:creationId xmlns:a16="http://schemas.microsoft.com/office/drawing/2014/main" id="{1B569EAD-8F5C-F0D8-FFA1-E69C54CD0E92}"/>
               </a:ext>
             </a:extLst>
           </p:cNvPr>
@@ -1792,7 +1792,7 @@
           <p:cNvPr id="7" name="日期占位符 6">
             <a:extLst>
               <a:ext uri="{FF2B5EF4-FFF2-40B4-BE49-F238E27FC236}">
-                <a16:creationId xmlns:a16="http://schemas.microsoft.com/office/drawing/2014/main" id="{35F24BFC-5EE3-391A-CB2E-EC47E8AF5F79}"/>
+                <a16:creationId xmlns:a16="http://schemas.microsoft.com/office/drawing/2014/main" id="{CA4E43A2-853F-6EDC-8347-63660C6E00C1}"/>
               </a:ext>
             </a:extLst>
           </p:cNvPr>
@@ -1808,7 +1808,7 @@
           <a:bodyPr/>
           <a:lstStyle/>
           <a:p>
-            <a:fld id="{9527DC6C-F9F2-469F-BACF-A88100E64180}" type="datetimeFigureOut">
+            <a:fld id="{B4D57545-8A06-4175-8158-4B7DDC6B11E0}" type="datetimeFigureOut">
               <a:rPr lang="zh-CN" altLang="en-US" smtClean="0"/>
               <a:t>2024/3/10</a:t>
             </a:fld>
@@ -1821,7 +1821,7 @@
           <p:cNvPr id="8" name="页脚占位符 7">
             <a:extLst>
               <a:ext uri="{FF2B5EF4-FFF2-40B4-BE49-F238E27FC236}">
-                <a16:creationId xmlns:a16="http://schemas.microsoft.com/office/drawing/2014/main" id="{82C4D485-9704-CADC-10E6-F04A479F51B6}"/>
+                <a16:creationId xmlns:a16="http://schemas.microsoft.com/office/drawing/2014/main" id="{2ED7BF78-3834-767A-E77E-6F2E33C404DC}"/>
               </a:ext>
             </a:extLst>
           </p:cNvPr>
@@ -1846,7 +1846,7 @@
           <p:cNvPr id="9" name="灯片编号占位符 8">
             <a:extLst>
               <a:ext uri="{FF2B5EF4-FFF2-40B4-BE49-F238E27FC236}">
-                <a16:creationId xmlns:a16="http://schemas.microsoft.com/office/drawing/2014/main" id="{769B7AE0-0701-1DFB-B9BC-F7633AF49728}"/>
+                <a16:creationId xmlns:a16="http://schemas.microsoft.com/office/drawing/2014/main" id="{0DBF85C3-20CE-699F-FC2A-9A27B6B431B3}"/>
               </a:ext>
             </a:extLst>
           </p:cNvPr>
@@ -1862,7 +1862,7 @@
           <a:bodyPr/>
           <a:lstStyle/>
           <a:p>
-            <a:fld id="{10620DD2-CDE9-415A-BC18-68E2E03579AA}" type="slidenum">
+            <a:fld id="{DDD98583-9ADD-4D27-88D1-FC4AB43EED17}" type="slidenum">
               <a:rPr lang="zh-CN" altLang="en-US" smtClean="0"/>
               <a:t>‹#›</a:t>
             </a:fld>
@@ -1873,7 +1873,7 @@
     </p:spTree>
     <p:extLst>
       <p:ext uri="{BB962C8B-B14F-4D97-AF65-F5344CB8AC3E}">
-        <p14:creationId xmlns:p14="http://schemas.microsoft.com/office/powerpoint/2010/main" val="3895588809"/>
+        <p14:creationId xmlns:p14="http://schemas.microsoft.com/office/powerpoint/2010/main" val="2207514252"/>
       </p:ext>
     </p:extLst>
   </p:cSld>
@@ -1905,7 +1905,7 @@
           <p:cNvPr id="2" name="标题 1">
             <a:extLst>
               <a:ext uri="{FF2B5EF4-FFF2-40B4-BE49-F238E27FC236}">
-                <a16:creationId xmlns:a16="http://schemas.microsoft.com/office/drawing/2014/main" id="{60D7DA39-4709-9E84-E802-DA83C1681DA0}"/>
+                <a16:creationId xmlns:a16="http://schemas.microsoft.com/office/drawing/2014/main" id="{8D9AAFE0-4244-3CE9-4A66-5FD6E025ED3A}"/>
               </a:ext>
             </a:extLst>
           </p:cNvPr>
@@ -1933,7 +1933,7 @@
           <p:cNvPr id="3" name="日期占位符 2">
             <a:extLst>
               <a:ext uri="{FF2B5EF4-FFF2-40B4-BE49-F238E27FC236}">
-                <a16:creationId xmlns:a16="http://schemas.microsoft.com/office/drawing/2014/main" id="{AEA10BFC-8EA2-5DAF-848C-115F5860B21B}"/>
+                <a16:creationId xmlns:a16="http://schemas.microsoft.com/office/drawing/2014/main" id="{23980D66-E9A4-37BC-BF80-B6BD62FBA049}"/>
               </a:ext>
             </a:extLst>
           </p:cNvPr>
@@ -1949,7 +1949,7 @@
           <a:bodyPr/>
           <a:lstStyle/>
           <a:p>
-            <a:fld id="{9527DC6C-F9F2-469F-BACF-A88100E64180}" type="datetimeFigureOut">
+            <a:fld id="{B4D57545-8A06-4175-8158-4B7DDC6B11E0}" type="datetimeFigureOut">
               <a:rPr lang="zh-CN" altLang="en-US" smtClean="0"/>
               <a:t>2024/3/10</a:t>
             </a:fld>
@@ -1962,7 +1962,7 @@
           <p:cNvPr id="4" name="页脚占位符 3">
             <a:extLst>
               <a:ext uri="{FF2B5EF4-FFF2-40B4-BE49-F238E27FC236}">
-                <a16:creationId xmlns:a16="http://schemas.microsoft.com/office/drawing/2014/main" id="{852433CA-F2A4-821D-98A1-077AA510D05B}"/>
+                <a16:creationId xmlns:a16="http://schemas.microsoft.com/office/drawing/2014/main" id="{43F7C091-1705-3281-2F5A-639C7C43350A}"/>
               </a:ext>
             </a:extLst>
           </p:cNvPr>
@@ -1987,7 +1987,7 @@
           <p:cNvPr id="5" name="灯片编号占位符 4">
             <a:extLst>
               <a:ext uri="{FF2B5EF4-FFF2-40B4-BE49-F238E27FC236}">
-                <a16:creationId xmlns:a16="http://schemas.microsoft.com/office/drawing/2014/main" id="{73309B3A-3F8F-283C-C889-343AE27D6EEA}"/>
+                <a16:creationId xmlns:a16="http://schemas.microsoft.com/office/drawing/2014/main" id="{D45FF65A-2EED-0B57-F0F3-69E0B5CB0B60}"/>
               </a:ext>
             </a:extLst>
           </p:cNvPr>
@@ -2003,7 +2003,7 @@
           <a:bodyPr/>
           <a:lstStyle/>
           <a:p>
-            <a:fld id="{10620DD2-CDE9-415A-BC18-68E2E03579AA}" type="slidenum">
+            <a:fld id="{DDD98583-9ADD-4D27-88D1-FC4AB43EED17}" type="slidenum">
               <a:rPr lang="zh-CN" altLang="en-US" smtClean="0"/>
               <a:t>‹#›</a:t>
             </a:fld>
@@ -2014,7 +2014,7 @@
     </p:spTree>
     <p:extLst>
       <p:ext uri="{BB962C8B-B14F-4D97-AF65-F5344CB8AC3E}">
-        <p14:creationId xmlns:p14="http://schemas.microsoft.com/office/powerpoint/2010/main" val="4040943075"/>
+        <p14:creationId xmlns:p14="http://schemas.microsoft.com/office/powerpoint/2010/main" val="3255264060"/>
       </p:ext>
     </p:extLst>
   </p:cSld>
@@ -2046,7 +2046,7 @@
           <p:cNvPr id="2" name="日期占位符 1">
             <a:extLst>
               <a:ext uri="{FF2B5EF4-FFF2-40B4-BE49-F238E27FC236}">
-                <a16:creationId xmlns:a16="http://schemas.microsoft.com/office/drawing/2014/main" id="{0B64F1D6-4C27-C0A2-D174-CF3BBC6CB1E8}"/>
+                <a16:creationId xmlns:a16="http://schemas.microsoft.com/office/drawing/2014/main" id="{48F9D513-8ED1-2961-5A16-DA8C32DDB607}"/>
               </a:ext>
             </a:extLst>
           </p:cNvPr>
@@ -2062,7 +2062,7 @@
           <a:bodyPr/>
           <a:lstStyle/>
           <a:p>
-            <a:fld id="{9527DC6C-F9F2-469F-BACF-A88100E64180}" type="datetimeFigureOut">
+            <a:fld id="{B4D57545-8A06-4175-8158-4B7DDC6B11E0}" type="datetimeFigureOut">
               <a:rPr lang="zh-CN" altLang="en-US" smtClean="0"/>
               <a:t>2024/3/10</a:t>
             </a:fld>
@@ -2075,7 +2075,7 @@
           <p:cNvPr id="3" name="页脚占位符 2">
             <a:extLst>
               <a:ext uri="{FF2B5EF4-FFF2-40B4-BE49-F238E27FC236}">
-                <a16:creationId xmlns:a16="http://schemas.microsoft.com/office/drawing/2014/main" id="{B20808DD-060F-0C4F-B8A8-D93F542D07C8}"/>
+                <a16:creationId xmlns:a16="http://schemas.microsoft.com/office/drawing/2014/main" id="{F5439AAC-C666-1C4E-4A73-6BEE339E2539}"/>
               </a:ext>
             </a:extLst>
           </p:cNvPr>
@@ -2100,7 +2100,7 @@
           <p:cNvPr id="4" name="灯片编号占位符 3">
             <a:extLst>
               <a:ext uri="{FF2B5EF4-FFF2-40B4-BE49-F238E27FC236}">
-                <a16:creationId xmlns:a16="http://schemas.microsoft.com/office/drawing/2014/main" id="{0D35EB17-D968-15C0-4EBC-F65A19803EAC}"/>
+                <a16:creationId xmlns:a16="http://schemas.microsoft.com/office/drawing/2014/main" id="{1A357291-AA0E-FF0A-9822-6B6B79378DC7}"/>
               </a:ext>
             </a:extLst>
           </p:cNvPr>
@@ -2116,7 +2116,7 @@
           <a:bodyPr/>
           <a:lstStyle/>
           <a:p>
-            <a:fld id="{10620DD2-CDE9-415A-BC18-68E2E03579AA}" type="slidenum">
+            <a:fld id="{DDD98583-9ADD-4D27-88D1-FC4AB43EED17}" type="slidenum">
               <a:rPr lang="zh-CN" altLang="en-US" smtClean="0"/>
               <a:t>‹#›</a:t>
             </a:fld>
@@ -2127,7 +2127,7 @@
     </p:spTree>
     <p:extLst>
       <p:ext uri="{BB962C8B-B14F-4D97-AF65-F5344CB8AC3E}">
-        <p14:creationId xmlns:p14="http://schemas.microsoft.com/office/powerpoint/2010/main" val="3517006522"/>
+        <p14:creationId xmlns:p14="http://schemas.microsoft.com/office/powerpoint/2010/main" val="2635375047"/>
       </p:ext>
     </p:extLst>
   </p:cSld>
@@ -2159,7 +2159,7 @@
           <p:cNvPr id="2" name="标题 1">
             <a:extLst>
               <a:ext uri="{FF2B5EF4-FFF2-40B4-BE49-F238E27FC236}">
-                <a16:creationId xmlns:a16="http://schemas.microsoft.com/office/drawing/2014/main" id="{443303D4-BEED-161E-BCA2-19CB8D733CF6}"/>
+                <a16:creationId xmlns:a16="http://schemas.microsoft.com/office/drawing/2014/main" id="{773079B8-77EA-1A72-EED6-3F00542A3C52}"/>
               </a:ext>
             </a:extLst>
           </p:cNvPr>
@@ -2196,7 +2196,7 @@
           <p:cNvPr id="3" name="内容占位符 2">
             <a:extLst>
               <a:ext uri="{FF2B5EF4-FFF2-40B4-BE49-F238E27FC236}">
-                <a16:creationId xmlns:a16="http://schemas.microsoft.com/office/drawing/2014/main" id="{CF9D0112-37AF-59AF-5BC9-87442B32BED1}"/>
+                <a16:creationId xmlns:a16="http://schemas.microsoft.com/office/drawing/2014/main" id="{8DABA128-605B-4CB1-C6A4-BABEACE50946}"/>
               </a:ext>
             </a:extLst>
           </p:cNvPr>
@@ -2286,7 +2286,7 @@
           <p:cNvPr id="4" name="文本占位符 3">
             <a:extLst>
               <a:ext uri="{FF2B5EF4-FFF2-40B4-BE49-F238E27FC236}">
-                <a16:creationId xmlns:a16="http://schemas.microsoft.com/office/drawing/2014/main" id="{34D2C74E-0D3A-0B15-D2EC-84126847B2DD}"/>
+                <a16:creationId xmlns:a16="http://schemas.microsoft.com/office/drawing/2014/main" id="{3E9ADDA6-DDA9-FBCE-BE2A-54815DA77F90}"/>
               </a:ext>
             </a:extLst>
           </p:cNvPr>
@@ -2357,7 +2357,7 @@
           <p:cNvPr id="5" name="日期占位符 4">
             <a:extLst>
               <a:ext uri="{FF2B5EF4-FFF2-40B4-BE49-F238E27FC236}">
-                <a16:creationId xmlns:a16="http://schemas.microsoft.com/office/drawing/2014/main" id="{CCE78419-C449-B289-7D3A-31FA62C8206B}"/>
+                <a16:creationId xmlns:a16="http://schemas.microsoft.com/office/drawing/2014/main" id="{6096176B-3A54-B4D6-33E8-2FBA73D79440}"/>
               </a:ext>
             </a:extLst>
           </p:cNvPr>
@@ -2373,7 +2373,7 @@
           <a:bodyPr/>
           <a:lstStyle/>
           <a:p>
-            <a:fld id="{9527DC6C-F9F2-469F-BACF-A88100E64180}" type="datetimeFigureOut">
+            <a:fld id="{B4D57545-8A06-4175-8158-4B7DDC6B11E0}" type="datetimeFigureOut">
               <a:rPr lang="zh-CN" altLang="en-US" smtClean="0"/>
               <a:t>2024/3/10</a:t>
             </a:fld>
@@ -2386,7 +2386,7 @@
           <p:cNvPr id="6" name="页脚占位符 5">
             <a:extLst>
               <a:ext uri="{FF2B5EF4-FFF2-40B4-BE49-F238E27FC236}">
-                <a16:creationId xmlns:a16="http://schemas.microsoft.com/office/drawing/2014/main" id="{9369C143-97FD-9BFB-688F-679FCDB13706}"/>
+                <a16:creationId xmlns:a16="http://schemas.microsoft.com/office/drawing/2014/main" id="{C5A1186F-9FCF-CEB3-F605-CB1974FEA88B}"/>
               </a:ext>
             </a:extLst>
           </p:cNvPr>
@@ -2411,7 +2411,7 @@
           <p:cNvPr id="7" name="灯片编号占位符 6">
             <a:extLst>
               <a:ext uri="{FF2B5EF4-FFF2-40B4-BE49-F238E27FC236}">
-                <a16:creationId xmlns:a16="http://schemas.microsoft.com/office/drawing/2014/main" id="{0A37F64D-C70A-C8CC-9217-ACE8392569A3}"/>
+                <a16:creationId xmlns:a16="http://schemas.microsoft.com/office/drawing/2014/main" id="{56F12050-5EDA-9DF6-47A0-529A19BFDD2F}"/>
               </a:ext>
             </a:extLst>
           </p:cNvPr>
@@ -2427,7 +2427,7 @@
           <a:bodyPr/>
           <a:lstStyle/>
           <a:p>
-            <a:fld id="{10620DD2-CDE9-415A-BC18-68E2E03579AA}" type="slidenum">
+            <a:fld id="{DDD98583-9ADD-4D27-88D1-FC4AB43EED17}" type="slidenum">
               <a:rPr lang="zh-CN" altLang="en-US" smtClean="0"/>
               <a:t>‹#›</a:t>
             </a:fld>
@@ -2438,7 +2438,7 @@
     </p:spTree>
     <p:extLst>
       <p:ext uri="{BB962C8B-B14F-4D97-AF65-F5344CB8AC3E}">
-        <p14:creationId xmlns:p14="http://schemas.microsoft.com/office/powerpoint/2010/main" val="1720696282"/>
+        <p14:creationId xmlns:p14="http://schemas.microsoft.com/office/powerpoint/2010/main" val="3603780979"/>
       </p:ext>
     </p:extLst>
   </p:cSld>
@@ -2470,7 +2470,7 @@
           <p:cNvPr id="2" name="标题 1">
             <a:extLst>
               <a:ext uri="{FF2B5EF4-FFF2-40B4-BE49-F238E27FC236}">
-                <a16:creationId xmlns:a16="http://schemas.microsoft.com/office/drawing/2014/main" id="{010EC563-DCBF-52AD-B1DB-FD9539026CD9}"/>
+                <a16:creationId xmlns:a16="http://schemas.microsoft.com/office/drawing/2014/main" id="{8B8E09B0-4697-309A-85F8-B15089CB8EC3}"/>
               </a:ext>
             </a:extLst>
           </p:cNvPr>
@@ -2507,7 +2507,7 @@
           <p:cNvPr id="3" name="图片占位符 2">
             <a:extLst>
               <a:ext uri="{FF2B5EF4-FFF2-40B4-BE49-F238E27FC236}">
-                <a16:creationId xmlns:a16="http://schemas.microsoft.com/office/drawing/2014/main" id="{457BDB0D-9882-FA15-77E7-EEEF594CCAC9}"/>
+                <a16:creationId xmlns:a16="http://schemas.microsoft.com/office/drawing/2014/main" id="{1A2116C7-8ACC-F93F-FBAA-137FDD0E64DA}"/>
               </a:ext>
             </a:extLst>
           </p:cNvPr>
@@ -2574,7 +2574,7 @@
           <p:cNvPr id="4" name="文本占位符 3">
             <a:extLst>
               <a:ext uri="{FF2B5EF4-FFF2-40B4-BE49-F238E27FC236}">
-                <a16:creationId xmlns:a16="http://schemas.microsoft.com/office/drawing/2014/main" id="{21F55B1E-15B1-A0F7-727F-26744DDED678}"/>
+                <a16:creationId xmlns:a16="http://schemas.microsoft.com/office/drawing/2014/main" id="{9E88F053-7710-15A5-4D37-7709ADBE78BF}"/>
               </a:ext>
             </a:extLst>
           </p:cNvPr>
@@ -2645,7 +2645,7 @@
           <p:cNvPr id="5" name="日期占位符 4">
             <a:extLst>
               <a:ext uri="{FF2B5EF4-FFF2-40B4-BE49-F238E27FC236}">
-                <a16:creationId xmlns:a16="http://schemas.microsoft.com/office/drawing/2014/main" id="{BAC39CBC-DF36-3566-402A-5886B10B1CFE}"/>
+                <a16:creationId xmlns:a16="http://schemas.microsoft.com/office/drawing/2014/main" id="{0BF725CA-226F-666F-0024-03D96E9221E3}"/>
               </a:ext>
             </a:extLst>
           </p:cNvPr>
@@ -2661,7 +2661,7 @@
           <a:bodyPr/>
           <a:lstStyle/>
           <a:p>
-            <a:fld id="{9527DC6C-F9F2-469F-BACF-A88100E64180}" type="datetimeFigureOut">
+            <a:fld id="{B4D57545-8A06-4175-8158-4B7DDC6B11E0}" type="datetimeFigureOut">
               <a:rPr lang="zh-CN" altLang="en-US" smtClean="0"/>
               <a:t>2024/3/10</a:t>
             </a:fld>
@@ -2674,7 +2674,7 @@
           <p:cNvPr id="6" name="页脚占位符 5">
             <a:extLst>
               <a:ext uri="{FF2B5EF4-FFF2-40B4-BE49-F238E27FC236}">
-                <a16:creationId xmlns:a16="http://schemas.microsoft.com/office/drawing/2014/main" id="{3E6DA998-9ADE-64E7-9213-EA8A5F111208}"/>
+                <a16:creationId xmlns:a16="http://schemas.microsoft.com/office/drawing/2014/main" id="{3A42D64A-27A4-BF36-7927-2425F878D8A7}"/>
               </a:ext>
             </a:extLst>
           </p:cNvPr>
@@ -2699,7 +2699,7 @@
           <p:cNvPr id="7" name="灯片编号占位符 6">
             <a:extLst>
               <a:ext uri="{FF2B5EF4-FFF2-40B4-BE49-F238E27FC236}">
-                <a16:creationId xmlns:a16="http://schemas.microsoft.com/office/drawing/2014/main" id="{9810B538-3151-47DC-9606-547E30B208CE}"/>
+                <a16:creationId xmlns:a16="http://schemas.microsoft.com/office/drawing/2014/main" id="{F001FAD5-BD88-080B-48AC-97D63898D8BE}"/>
               </a:ext>
             </a:extLst>
           </p:cNvPr>
@@ -2715,7 +2715,7 @@
           <a:bodyPr/>
           <a:lstStyle/>
           <a:p>
-            <a:fld id="{10620DD2-CDE9-415A-BC18-68E2E03579AA}" type="slidenum">
+            <a:fld id="{DDD98583-9ADD-4D27-88D1-FC4AB43EED17}" type="slidenum">
               <a:rPr lang="zh-CN" altLang="en-US" smtClean="0"/>
               <a:t>‹#›</a:t>
             </a:fld>
@@ -2726,7 +2726,7 @@
     </p:spTree>
     <p:extLst>
       <p:ext uri="{BB962C8B-B14F-4D97-AF65-F5344CB8AC3E}">
-        <p14:creationId xmlns:p14="http://schemas.microsoft.com/office/powerpoint/2010/main" val="3445283968"/>
+        <p14:creationId xmlns:p14="http://schemas.microsoft.com/office/powerpoint/2010/main" val="1768054166"/>
       </p:ext>
     </p:extLst>
   </p:cSld>
@@ -2763,7 +2763,7 @@
           <p:cNvPr id="2" name="标题占位符 1">
             <a:extLst>
               <a:ext uri="{FF2B5EF4-FFF2-40B4-BE49-F238E27FC236}">
-                <a16:creationId xmlns:a16="http://schemas.microsoft.com/office/drawing/2014/main" id="{DE281FCB-A978-89E1-7058-D5CB86DC9147}"/>
+                <a16:creationId xmlns:a16="http://schemas.microsoft.com/office/drawing/2014/main" id="{7CAC5355-A284-59AB-9039-9C2926D8F88A}"/>
               </a:ext>
             </a:extLst>
           </p:cNvPr>
@@ -2801,7 +2801,7 @@
           <p:cNvPr id="3" name="文本占位符 2">
             <a:extLst>
               <a:ext uri="{FF2B5EF4-FFF2-40B4-BE49-F238E27FC236}">
-                <a16:creationId xmlns:a16="http://schemas.microsoft.com/office/drawing/2014/main" id="{D96EF9AA-AE83-6469-4FD8-60AB866A855D}"/>
+                <a16:creationId xmlns:a16="http://schemas.microsoft.com/office/drawing/2014/main" id="{BC960B16-F5F7-CE40-DACD-F23E7582B242}"/>
               </a:ext>
             </a:extLst>
           </p:cNvPr>
@@ -2868,7 +2868,7 @@
           <p:cNvPr id="4" name="日期占位符 3">
             <a:extLst>
               <a:ext uri="{FF2B5EF4-FFF2-40B4-BE49-F238E27FC236}">
-                <a16:creationId xmlns:a16="http://schemas.microsoft.com/office/drawing/2014/main" id="{73F63F36-08B8-E0BF-D2B1-8A51B05957A8}"/>
+                <a16:creationId xmlns:a16="http://schemas.microsoft.com/office/drawing/2014/main" id="{E3327E98-FAE0-F915-586C-77C33523121A}"/>
               </a:ext>
             </a:extLst>
           </p:cNvPr>
@@ -2902,7 +2902,7 @@
             </a:lvl1pPr>
           </a:lstStyle>
           <a:p>
-            <a:fld id="{9527DC6C-F9F2-469F-BACF-A88100E64180}" type="datetimeFigureOut">
+            <a:fld id="{B4D57545-8A06-4175-8158-4B7DDC6B11E0}" type="datetimeFigureOut">
               <a:rPr lang="zh-CN" altLang="en-US" smtClean="0"/>
               <a:t>2024/3/10</a:t>
             </a:fld>
@@ -2915,7 +2915,7 @@
           <p:cNvPr id="5" name="页脚占位符 4">
             <a:extLst>
               <a:ext uri="{FF2B5EF4-FFF2-40B4-BE49-F238E27FC236}">
-                <a16:creationId xmlns:a16="http://schemas.microsoft.com/office/drawing/2014/main" id="{0DD3499D-9D08-4662-AD5F-82460B814FD6}"/>
+                <a16:creationId xmlns:a16="http://schemas.microsoft.com/office/drawing/2014/main" id="{CF491304-37EA-16C1-C923-F4F4538DABF4}"/>
               </a:ext>
             </a:extLst>
           </p:cNvPr>
@@ -2958,7 +2958,7 @@
           <p:cNvPr id="6" name="灯片编号占位符 5">
             <a:extLst>
               <a:ext uri="{FF2B5EF4-FFF2-40B4-BE49-F238E27FC236}">
-                <a16:creationId xmlns:a16="http://schemas.microsoft.com/office/drawing/2014/main" id="{1396E510-4437-366F-F27C-AB9A45A4EAFA}"/>
+                <a16:creationId xmlns:a16="http://schemas.microsoft.com/office/drawing/2014/main" id="{315DD9CF-15F6-4A37-1200-10FB58A3E9D3}"/>
               </a:ext>
             </a:extLst>
           </p:cNvPr>
@@ -2992,7 +2992,7 @@
             </a:lvl1pPr>
           </a:lstStyle>
           <a:p>
-            <a:fld id="{10620DD2-CDE9-415A-BC18-68E2E03579AA}" type="slidenum">
+            <a:fld id="{DDD98583-9ADD-4D27-88D1-FC4AB43EED17}" type="slidenum">
               <a:rPr lang="zh-CN" altLang="en-US" smtClean="0"/>
               <a:t>‹#›</a:t>
             </a:fld>
@@ -3003,7 +3003,7 @@
     </p:spTree>
     <p:extLst>
       <p:ext uri="{BB962C8B-B14F-4D97-AF65-F5344CB8AC3E}">
-        <p14:creationId xmlns:p14="http://schemas.microsoft.com/office/powerpoint/2010/main" val="3941049069"/>
+        <p14:creationId xmlns:p14="http://schemas.microsoft.com/office/powerpoint/2010/main" val="1041842403"/>
       </p:ext>
     </p:extLst>
   </p:cSld>
@@ -3323,7 +3323,7 @@
       </p:grpSpPr>
       <p:pic>
         <p:nvPicPr>
-          <p:cNvPr id="647170" name="Picture 2" descr="631"/>
+          <p:cNvPr id="648194" name="Picture 2" descr="632"/>
           <p:cNvPicPr>
             <a:picLocks noChangeAspect="1" noChangeArrowheads="1"/>
           </p:cNvPicPr>
@@ -3344,8 +3344,8 @@
         </p:blipFill>
         <p:spPr bwMode="auto">
           <a:xfrm>
-            <a:off x="1524000" y="1"/>
-            <a:ext cx="9144000" cy="6524625"/>
+            <a:off x="1524000" y="0"/>
+            <a:ext cx="9144000" cy="6858000"/>
           </a:xfrm>
           <a:prstGeom prst="rect">
             <a:avLst/>
@@ -3375,158 +3375,11 @@
           </a:extLst>
         </p:spPr>
       </p:pic>
-      <p:pic>
-        <p:nvPicPr>
-          <p:cNvPr id="648195" name="Picture 3" descr="631-2"/>
-          <p:cNvPicPr>
-            <a:picLocks noChangeAspect="1" noChangeArrowheads="1"/>
-          </p:cNvPicPr>
-          <p:nvPr/>
-        </p:nvPicPr>
-        <p:blipFill>
-          <a:blip r:embed="rId3">
-            <a:extLst>
-              <a:ext uri="{28A0092B-C50C-407E-A947-70E740481C1C}">
-                <a14:useLocalDpi xmlns:a14="http://schemas.microsoft.com/office/drawing/2010/main" val="0"/>
-              </a:ext>
-            </a:extLst>
-          </a:blip>
-          <a:srcRect/>
-          <a:stretch>
-            <a:fillRect/>
-          </a:stretch>
-        </p:blipFill>
-        <p:spPr bwMode="auto">
-          <a:xfrm>
-            <a:off x="1524000" y="1"/>
-            <a:ext cx="9144000" cy="6670675"/>
-          </a:xfrm>
-          <a:prstGeom prst="rect">
-            <a:avLst/>
-          </a:prstGeom>
-          <a:noFill/>
-          <a:ln>
-            <a:noFill/>
-          </a:ln>
-          <a:effectLst/>
-          <a:extLst>
-            <a:ext uri="{909E8E84-426E-40DD-AFC4-6F175D3DCCD1}">
-              <a14:hiddenFill xmlns:a14="http://schemas.microsoft.com/office/drawing/2010/main">
-                <a:solidFill>
-                  <a:srgbClr val="FFFFFF"/>
-                </a:solidFill>
-              </a14:hiddenFill>
-            </a:ext>
-            <a:ext uri="{91240B29-F687-4F45-9708-019B960494DF}">
-              <a14:hiddenLine xmlns:a14="http://schemas.microsoft.com/office/drawing/2010/main" w="9525">
-                <a:solidFill>
-                  <a:srgbClr val="000000"/>
-                </a:solidFill>
-                <a:miter lim="800000"/>
-                <a:headEnd/>
-                <a:tailEnd/>
-              </a14:hiddenLine>
-            </a:ext>
-            <a:ext uri="{AF507438-7753-43E0-B8FC-AC1667EBCBE1}">
-              <a14:hiddenEffects xmlns:a14="http://schemas.microsoft.com/office/drawing/2010/main">
-                <a:effectLst>
-                  <a:outerShdw dist="35921" dir="2700000" algn="ctr" rotWithShape="0">
-                    <a:srgbClr val="808080"/>
-                  </a:outerShdw>
-                </a:effectLst>
-              </a14:hiddenEffects>
-            </a:ext>
-          </a:extLst>
-        </p:spPr>
-      </p:pic>
     </p:spTree>
   </p:cSld>
   <p:clrMapOvr>
     <a:masterClrMapping/>
   </p:clrMapOvr>
-  <p:timing>
-    <p:tnLst>
-      <p:par>
-        <p:cTn id="1" dur="indefinite" restart="never" nodeType="tmRoot">
-          <p:childTnLst>
-            <p:seq concurrent="1" nextAc="seek">
-              <p:cTn id="2" dur="indefinite" nodeType="mainSeq">
-                <p:childTnLst>
-                  <p:par>
-                    <p:cTn id="3" fill="hold" nodeType="clickPar">
-                      <p:stCondLst>
-                        <p:cond delay="indefinite"/>
-                      </p:stCondLst>
-                      <p:childTnLst>
-                        <p:par>
-                          <p:cTn id="4" fill="hold" nodeType="withGroup">
-                            <p:stCondLst>
-                              <p:cond delay="0"/>
-                            </p:stCondLst>
-                            <p:childTnLst>
-                              <p:par>
-                                <p:cTn id="5" presetID="10" presetClass="entr" presetSubtype="0" fill="hold" nodeType="clickEffect">
-                                  <p:stCondLst>
-                                    <p:cond delay="0"/>
-                                  </p:stCondLst>
-                                  <p:childTnLst>
-                                    <p:set>
-                                      <p:cBhvr>
-                                        <p:cTn id="6" dur="1" fill="hold">
-                                          <p:stCondLst>
-                                            <p:cond delay="0"/>
-                                          </p:stCondLst>
-                                        </p:cTn>
-                                        <p:tgtEl>
-                                          <p:spTgt spid="648195"/>
-                                        </p:tgtEl>
-                                        <p:attrNameLst>
-                                          <p:attrName>style.visibility</p:attrName>
-                                        </p:attrNameLst>
-                                      </p:cBhvr>
-                                      <p:to>
-                                        <p:strVal val="visible"/>
-                                      </p:to>
-                                    </p:set>
-                                    <p:animEffect transition="in" filter="fade">
-                                      <p:cBhvr>
-                                        <p:cTn id="7" dur="500"/>
-                                        <p:tgtEl>
-                                          <p:spTgt spid="648195"/>
-                                        </p:tgtEl>
-                                      </p:cBhvr>
-                                    </p:animEffect>
-                                  </p:childTnLst>
-                                </p:cTn>
-                              </p:par>
-                            </p:childTnLst>
-                          </p:cTn>
-                        </p:par>
-                      </p:childTnLst>
-                    </p:cTn>
-                  </p:par>
-                </p:childTnLst>
-              </p:cTn>
-              <p:prevCondLst>
-                <p:cond evt="onPrev" delay="0">
-                  <p:tgtEl>
-                    <p:sldTgt/>
-                  </p:tgtEl>
-                </p:cond>
-              </p:prevCondLst>
-              <p:nextCondLst>
-                <p:cond evt="onNext" delay="0">
-                  <p:tgtEl>
-                    <p:sldTgt/>
-                  </p:tgtEl>
-                </p:cond>
-              </p:nextCondLst>
-            </p:seq>
-          </p:childTnLst>
-        </p:cTn>
-      </p:par>
-    </p:tnLst>
-  </p:timing>
 </p:sld>
 </file>
 
